--- a/Prezentacia.pptx
+++ b/Prezentacia.pptx
@@ -5,17 +5,18 @@
     <p:sldMasterId id="2147483648" r:id="rId1"/>
   </p:sldMasterIdLst>
   <p:notesMasterIdLst>
-    <p:notesMasterId r:id="rId7"/>
+    <p:notesMasterId r:id="rId8"/>
   </p:notesMasterIdLst>
   <p:handoutMasterIdLst>
-    <p:handoutMasterId r:id="rId8"/>
+    <p:handoutMasterId r:id="rId9"/>
   </p:handoutMasterIdLst>
   <p:sldIdLst>
     <p:sldId id="256" r:id="rId2"/>
     <p:sldId id="268" r:id="rId3"/>
     <p:sldId id="271" r:id="rId4"/>
     <p:sldId id="272" r:id="rId5"/>
-    <p:sldId id="273" r:id="rId6"/>
+    <p:sldId id="274" r:id="rId6"/>
+    <p:sldId id="273" r:id="rId7"/>
   </p:sldIdLst>
   <p:sldSz cx="12192000" cy="6858000"/>
   <p:notesSz cx="6858000" cy="9144000"/>
@@ -288,7 +289,7 @@
             <a:pPr rtl="0"/>
             <a:fld id="{8A754D43-FE56-4A70-AED7-3AE345CC580D}" type="datetime1">
               <a:rPr lang="sk-SK" smtClean="0"/>
-              <a:t>16. 10. 2022</a:t>
+              <a:t>28. 10. 2022</a:t>
             </a:fld>
             <a:endParaRPr lang="sk-SK"/>
           </a:p>
@@ -470,7 +471,7 @@
             <a:pPr rtl="0"/>
             <a:fld id="{B2FB5FBE-3F32-4037-88F1-583C5063C089}" type="datetime1">
               <a:rPr lang="sk-SK" noProof="0" smtClean="0"/>
-              <a:t>16. 10. 2022</a:t>
+              <a:t>28. 10. 2022</a:t>
             </a:fld>
             <a:endParaRPr lang="sk-SK" noProof="0"/>
           </a:p>
@@ -1160,6 +1161,92 @@
     </p:spTree>
     <p:extLst>
       <p:ext uri="{BB962C8B-B14F-4D97-AF65-F5344CB8AC3E}">
+        <p14:creationId xmlns:p14="http://schemas.microsoft.com/office/powerpoint/2010/main" val="547068725"/>
+      </p:ext>
+    </p:extLst>
+  </p:cSld>
+  <p:clrMapOvr>
+    <a:masterClrMapping/>
+  </p:clrMapOvr>
+</p:notes>
+</file>
+
+<file path=ppt/notesSlides/notesSlide6.xml><?xml version="1.0" encoding="utf-8"?>
+<p:notes xmlns:a="http://schemas.openxmlformats.org/drawingml/2006/main" xmlns:r="http://schemas.openxmlformats.org/officeDocument/2006/relationships" xmlns:p="http://schemas.openxmlformats.org/presentationml/2006/main">
+  <p:cSld>
+    <p:spTree>
+      <p:nvGrpSpPr>
+        <p:cNvPr id="1" name=""/>
+        <p:cNvGrpSpPr/>
+        <p:nvPr/>
+      </p:nvGrpSpPr>
+      <p:grpSpPr>
+        <a:xfrm>
+          <a:off x="0" y="0"/>
+          <a:ext cx="0" cy="0"/>
+          <a:chOff x="0" y="0"/>
+          <a:chExt cx="0" cy="0"/>
+        </a:xfrm>
+      </p:grpSpPr>
+      <p:sp>
+        <p:nvSpPr>
+          <p:cNvPr id="2" name="Zástupný symbol obrázka snímky 1"/>
+          <p:cNvSpPr>
+            <a:spLocks noGrp="1" noRot="1" noChangeAspect="1"/>
+          </p:cNvSpPr>
+          <p:nvPr>
+            <p:ph type="sldImg"/>
+          </p:nvPr>
+        </p:nvSpPr>
+        <p:spPr/>
+      </p:sp>
+      <p:sp>
+        <p:nvSpPr>
+          <p:cNvPr id="3" name="Zástupný symbol poznámok 2"/>
+          <p:cNvSpPr>
+            <a:spLocks noGrp="1"/>
+          </p:cNvSpPr>
+          <p:nvPr>
+            <p:ph type="body" idx="1"/>
+          </p:nvPr>
+        </p:nvSpPr>
+        <p:spPr/>
+        <p:txBody>
+          <a:bodyPr rtlCol="0"/>
+          <a:lstStyle/>
+          <a:p>
+            <a:pPr rtl="0"/>
+            <a:endParaRPr lang="sk-SK"/>
+          </a:p>
+        </p:txBody>
+      </p:sp>
+      <p:sp>
+        <p:nvSpPr>
+          <p:cNvPr id="4" name="Zástupný symbol čísla snímky 3"/>
+          <p:cNvSpPr>
+            <a:spLocks noGrp="1"/>
+          </p:cNvSpPr>
+          <p:nvPr>
+            <p:ph type="sldNum" sz="quarter" idx="10"/>
+          </p:nvPr>
+        </p:nvSpPr>
+        <p:spPr/>
+        <p:txBody>
+          <a:bodyPr rtlCol="0"/>
+          <a:lstStyle/>
+          <a:p>
+            <a:pPr rtl="0"/>
+            <a:fld id="{BC849E9A-41F7-4779-A581-48A7C374A227}" type="slidenum">
+              <a:rPr lang="sk-SK" smtClean="0"/>
+              <a:t>6</a:t>
+            </a:fld>
+            <a:endParaRPr lang="sk-SK"/>
+          </a:p>
+        </p:txBody>
+      </p:sp>
+    </p:spTree>
+    <p:extLst>
+      <p:ext uri="{BB962C8B-B14F-4D97-AF65-F5344CB8AC3E}">
         <p14:creationId xmlns:p14="http://schemas.microsoft.com/office/powerpoint/2010/main" val="857188071"/>
       </p:ext>
     </p:extLst>
@@ -1320,7 +1407,7 @@
             <a:pPr rtl="0"/>
             <a:fld id="{31FB2D87-FD54-4B4F-9C83-0E71DA6F9A37}" type="datetime1">
               <a:rPr lang="sk-SK" noProof="0" smtClean="0"/>
-              <a:t>16. 10. 2022</a:t>
+              <a:t>28. 10. 2022</a:t>
             </a:fld>
             <a:endParaRPr lang="sk-SK" noProof="0"/>
           </a:p>
@@ -1534,7 +1621,7 @@
             <a:pPr rtl="0"/>
             <a:fld id="{E45E7829-73B0-4903-9FF6-46771CB99C20}" type="datetime1">
               <a:rPr lang="sk-SK" noProof="0" smtClean="0"/>
-              <a:t>16. 10. 2022</a:t>
+              <a:t>28. 10. 2022</a:t>
             </a:fld>
             <a:endParaRPr lang="sk-SK" noProof="0"/>
           </a:p>
@@ -1758,7 +1845,7 @@
             <a:pPr rtl="0"/>
             <a:fld id="{2C5FB8ED-A758-4594-B6DE-A6D05E017EC0}" type="datetime1">
               <a:rPr lang="sk-SK" noProof="0" smtClean="0"/>
-              <a:t>16. 10. 2022</a:t>
+              <a:t>28. 10. 2022</a:t>
             </a:fld>
             <a:endParaRPr lang="sk-SK" noProof="0"/>
           </a:p>
@@ -1972,7 +2059,7 @@
             <a:pPr rtl="0"/>
             <a:fld id="{FCDC8793-A7F0-4DED-B68F-EF65D6B7BE73}" type="datetime1">
               <a:rPr lang="sk-SK" noProof="0" smtClean="0"/>
-              <a:t>16. 10. 2022</a:t>
+              <a:t>28. 10. 2022</a:t>
             </a:fld>
             <a:endParaRPr lang="sk-SK" noProof="0"/>
           </a:p>
@@ -2263,7 +2350,7 @@
             <a:pPr rtl="0"/>
             <a:fld id="{F0511AC4-B62A-44C6-92AC-6EBF3C477CDF}" type="datetime1">
               <a:rPr lang="sk-SK" noProof="0" smtClean="0"/>
-              <a:t>16. 10. 2022</a:t>
+              <a:t>28. 10. 2022</a:t>
             </a:fld>
             <a:endParaRPr lang="sk-SK" noProof="0"/>
           </a:p>
@@ -2544,7 +2631,7 @@
             <a:pPr rtl="0"/>
             <a:fld id="{77CA0881-D4D8-4595-9096-9F01E4158837}" type="datetime1">
               <a:rPr lang="sk-SK" noProof="0" smtClean="0"/>
-              <a:t>16. 10. 2022</a:t>
+              <a:t>28. 10. 2022</a:t>
             </a:fld>
             <a:endParaRPr lang="sk-SK" noProof="0"/>
           </a:p>
@@ -2972,7 +3059,7 @@
             <a:pPr rtl="0"/>
             <a:fld id="{920FD14C-7225-4F0F-9397-CF83B3565C82}" type="datetime1">
               <a:rPr lang="sk-SK" noProof="0" smtClean="0"/>
-              <a:t>16. 10. 2022</a:t>
+              <a:t>28. 10. 2022</a:t>
             </a:fld>
             <a:endParaRPr lang="sk-SK" noProof="0"/>
           </a:p>
@@ -3129,7 +3216,7 @@
             <a:pPr rtl="0"/>
             <a:fld id="{1169615A-1838-4DA9-BEE4-8D2202C14F9F}" type="datetime1">
               <a:rPr lang="sk-SK" noProof="0" smtClean="0"/>
-              <a:t>16. 10. 2022</a:t>
+              <a:t>28. 10. 2022</a:t>
             </a:fld>
             <a:endParaRPr lang="sk-SK" noProof="0"/>
           </a:p>
@@ -3257,7 +3344,7 @@
             <a:pPr rtl="0"/>
             <a:fld id="{20010594-34F6-47A0-96D9-768BD2954EEE}" type="datetime1">
               <a:rPr lang="sk-SK" noProof="0" smtClean="0"/>
-              <a:t>16. 10. 2022</a:t>
+              <a:t>28. 10. 2022</a:t>
             </a:fld>
             <a:endParaRPr lang="sk-SK" noProof="0"/>
           </a:p>
@@ -3584,7 +3671,7 @@
             <a:pPr rtl="0"/>
             <a:fld id="{16E7C90B-1A0D-4F65-997B-AB08FEE67ADD}" type="datetime1">
               <a:rPr lang="sk-SK" noProof="0" smtClean="0"/>
-              <a:t>16. 10. 2022</a:t>
+              <a:t>28. 10. 2022</a:t>
             </a:fld>
             <a:endParaRPr lang="sk-SK" noProof="0"/>
           </a:p>
@@ -3892,7 +3979,7 @@
             <a:pPr rtl="0"/>
             <a:fld id="{36E81621-F6A2-47C7-9753-4DEF3764F7C0}" type="datetime1">
               <a:rPr lang="sk-SK" noProof="0" smtClean="0"/>
-              <a:t>16. 10. 2022</a:t>
+              <a:t>28. 10. 2022</a:t>
             </a:fld>
             <a:endParaRPr lang="sk-SK" noProof="0"/>
           </a:p>
@@ -4149,7 +4236,7 @@
             <a:pPr rtl="0"/>
             <a:fld id="{35347038-E413-4CBD-9799-2DBFAC9AE3A0}" type="datetime1">
               <a:rPr lang="sk-SK" noProof="0" smtClean="0"/>
-              <a:t>16. 10. 2022</a:t>
+              <a:t>28. 10. 2022</a:t>
             </a:fld>
             <a:endParaRPr lang="sk-SK" noProof="0"/>
           </a:p>
@@ -6179,7 +6266,7 @@
       </p:sp>
       <p:sp>
         <p:nvSpPr>
-          <p:cNvPr id="15" name="Ovál 14">
+          <p:cNvPr id="15" name="!!kruh">
             <a:extLst>
               <a:ext uri="{FF2B5EF4-FFF2-40B4-BE49-F238E27FC236}">
                 <a16:creationId xmlns:a16="http://schemas.microsoft.com/office/drawing/2014/main" id="{926D51C7-F327-823E-BEE6-1D3E01FEE5C4}"/>
@@ -6790,13 +6877,13 @@
   <p:clrMapOvr>
     <a:masterClrMapping/>
   </p:clrMapOvr>
-  <mc:AlternateContent xmlns:mc="http://schemas.openxmlformats.org/markup-compatibility/2006" xmlns:p14="http://schemas.microsoft.com/office/powerpoint/2010/main">
-    <mc:Choice Requires="p14">
-      <p:transition spd="slow" p14:dur="2000">
+  <mc:AlternateContent xmlns:mc="http://schemas.openxmlformats.org/markup-compatibility/2006">
+    <mc:Choice xmlns:p14="http://schemas.microsoft.com/office/powerpoint/2010/main" Requires="p14">
+      <p:transition spd="slow">
         <p14:reveal/>
       </p:transition>
     </mc:Choice>
-    <mc:Fallback xmlns="">
+    <mc:Fallback>
       <p:transition spd="slow">
         <p:fade/>
       </p:transition>
@@ -7759,13 +7846,13 @@
   <p:clrMapOvr>
     <a:masterClrMapping/>
   </p:clrMapOvr>
-  <mc:AlternateContent xmlns:mc="http://schemas.openxmlformats.org/markup-compatibility/2006" xmlns:p14="http://schemas.microsoft.com/office/powerpoint/2010/main">
-    <mc:Choice Requires="p14">
-      <p:transition spd="slow" p14:dur="2000">
+  <mc:AlternateContent xmlns:mc="http://schemas.openxmlformats.org/markup-compatibility/2006">
+    <mc:Choice xmlns:p14="http://schemas.microsoft.com/office/powerpoint/2010/main" Requires="p14">
+      <p:transition spd="slow">
         <p14:reveal/>
       </p:transition>
     </mc:Choice>
-    <mc:Fallback xmlns="">
+    <mc:Fallback>
       <p:transition spd="slow">
         <p:fade/>
       </p:transition>
@@ -8734,6 +8821,67 @@
           </a:effectLst>
         </p:spPr>
       </p:pic>
+      <p:sp>
+        <p:nvSpPr>
+          <p:cNvPr id="14" name="Textové pole 4">
+            <a:extLst>
+              <a:ext uri="{FF2B5EF4-FFF2-40B4-BE49-F238E27FC236}">
+                <a16:creationId xmlns:a16="http://schemas.microsoft.com/office/drawing/2014/main" id="{9AF03D71-4A9E-421F-AC12-ACB04A808A90}"/>
+              </a:ext>
+            </a:extLst>
+          </p:cNvPr>
+          <p:cNvSpPr txBox="1"/>
+          <p:nvPr/>
+        </p:nvSpPr>
+        <p:spPr>
+          <a:xfrm>
+            <a:off x="4305510" y="1006192"/>
+            <a:ext cx="2826716" cy="523220"/>
+          </a:xfrm>
+          <a:prstGeom prst="rect">
+            <a:avLst/>
+          </a:prstGeom>
+          <a:noFill/>
+        </p:spPr>
+        <p:txBody>
+          <a:bodyPr wrap="square" rtlCol="0">
+            <a:spAutoFit/>
+          </a:bodyPr>
+          <a:lstStyle/>
+          <a:p>
+            <a:pPr rtl="0"/>
+            <a:r>
+              <a:rPr lang="sk-SK" sz="2800" b="1" dirty="0">
+                <a:solidFill>
+                  <a:srgbClr val="FF0000"/>
+                </a:solidFill>
+                <a:latin typeface="Franklin Gothic Book" panose="020B0503020102020204" pitchFamily="34" charset="0"/>
+                <a:ea typeface="Calibri" panose="020F0502020204030204" pitchFamily="34" charset="0"/>
+                <a:cs typeface="Segoe UI" panose="020B0502040204020203" pitchFamily="34" charset="0"/>
+              </a:rPr>
+              <a:t>Teoretická časť</a:t>
+            </a:r>
+            <a:r>
+              <a:rPr lang="sk-SK" sz="2000" dirty="0">
+                <a:solidFill>
+                  <a:schemeClr val="accent1"/>
+                </a:solidFill>
+                <a:effectLst/>
+                <a:latin typeface="Franklin Gothic Book" panose="020B0503020102020204" pitchFamily="34" charset="0"/>
+                <a:ea typeface="Calibri" panose="020F0502020204030204" pitchFamily="34" charset="0"/>
+              </a:rPr>
+              <a:t> </a:t>
+            </a:r>
+            <a:endParaRPr lang="sk-SK" sz="2000" dirty="0">
+              <a:solidFill>
+                <a:schemeClr val="accent1"/>
+              </a:solidFill>
+              <a:latin typeface="Franklin Gothic Book" panose="020B0503020102020204" pitchFamily="34" charset="0"/>
+              <a:cs typeface="Segoe UI" panose="020B0502040204020203" pitchFamily="34" charset="0"/>
+            </a:endParaRPr>
+          </a:p>
+        </p:txBody>
+      </p:sp>
     </p:spTree>
     <p:extLst>
       <p:ext uri="{BB962C8B-B14F-4D97-AF65-F5344CB8AC3E}">
@@ -8744,13 +8892,13 @@
   <p:clrMapOvr>
     <a:masterClrMapping/>
   </p:clrMapOvr>
-  <mc:AlternateContent xmlns:mc="http://schemas.openxmlformats.org/markup-compatibility/2006" xmlns:p14="http://schemas.microsoft.com/office/powerpoint/2010/main">
-    <mc:Choice Requires="p14">
-      <p:transition spd="slow" p14:dur="2000">
+  <mc:AlternateContent xmlns:mc="http://schemas.openxmlformats.org/markup-compatibility/2006">
+    <mc:Choice xmlns:p14="http://schemas.microsoft.com/office/powerpoint/2010/main" Requires="p14">
+      <p:transition spd="slow">
         <p14:reveal/>
       </p:transition>
     </mc:Choice>
-    <mc:Fallback xmlns="">
+    <mc:Fallback>
       <p:transition spd="slow">
         <p:fade/>
       </p:transition>
@@ -9143,7 +9291,7 @@
         </p:nvSpPr>
         <p:spPr>
           <a:xfrm>
-            <a:off x="1166046" y="3429000"/>
+            <a:off x="1440610" y="169572"/>
             <a:ext cx="8814833" cy="1325563"/>
           </a:xfrm>
         </p:spPr>
@@ -9160,8 +9308,125 @@
                 <a:latin typeface="Franklin Gothic Book" panose="020B0503020102020204" pitchFamily="34" charset="0"/>
                 <a:cs typeface="Segoe UI" panose="020B0502040204020203" pitchFamily="34" charset="0"/>
               </a:rPr>
-              <a:t>ĎAKUJEM ZA POZORNOSŤ</a:t>
-            </a:r>
+              <a:t>UKÁŽKA PRÁCE</a:t>
+            </a:r>
+          </a:p>
+        </p:txBody>
+      </p:sp>
+      <p:sp>
+        <p:nvSpPr>
+          <p:cNvPr id="8" name="Ovál 7">
+            <a:extLst>
+              <a:ext uri="{FF2B5EF4-FFF2-40B4-BE49-F238E27FC236}">
+                <a16:creationId xmlns:a16="http://schemas.microsoft.com/office/drawing/2014/main" id="{E5585411-DE61-42EC-8DAB-BA853F129791}"/>
+              </a:ext>
+            </a:extLst>
+          </p:cNvPr>
+          <p:cNvSpPr/>
+          <p:nvPr/>
+        </p:nvSpPr>
+        <p:spPr>
+          <a:xfrm>
+            <a:off x="386975" y="2001049"/>
+            <a:ext cx="586154" cy="575941"/>
+          </a:xfrm>
+          <a:prstGeom prst="ellipse">
+            <a:avLst/>
+          </a:prstGeom>
+          <a:solidFill>
+            <a:srgbClr val="FF0000"/>
+          </a:solidFill>
+        </p:spPr>
+        <p:style>
+          <a:lnRef idx="2">
+            <a:schemeClr val="accent1">
+              <a:shade val="50000"/>
+            </a:schemeClr>
+          </a:lnRef>
+          <a:fillRef idx="1">
+            <a:schemeClr val="accent1"/>
+          </a:fillRef>
+          <a:effectRef idx="0">
+            <a:schemeClr val="accent1"/>
+          </a:effectRef>
+          <a:fontRef idx="minor">
+            <a:schemeClr val="lt1"/>
+          </a:fontRef>
+        </p:style>
+        <p:txBody>
+          <a:bodyPr rtlCol="0" anchor="ctr"/>
+          <a:lstStyle/>
+          <a:p>
+            <a:pPr algn="ctr" rtl="0"/>
+            <a:r>
+              <a:rPr lang="sk-SK" sz="3600" b="1" dirty="0">
+                <a:latin typeface="Segoe UI" panose="020B0502040204020203" pitchFamily="34" charset="0"/>
+                <a:cs typeface="Segoe UI" panose="020B0502040204020203" pitchFamily="34" charset="0"/>
+              </a:rPr>
+              <a:t>1</a:t>
+            </a:r>
+          </a:p>
+        </p:txBody>
+      </p:sp>
+      <p:sp>
+        <p:nvSpPr>
+          <p:cNvPr id="5" name="Textové pole 4">
+            <a:extLst>
+              <a:ext uri="{FF2B5EF4-FFF2-40B4-BE49-F238E27FC236}">
+                <a16:creationId xmlns:a16="http://schemas.microsoft.com/office/drawing/2014/main" id="{25AD4F61-E023-4530-BF03-8BC2D825D0BF}"/>
+              </a:ext>
+            </a:extLst>
+          </p:cNvPr>
+          <p:cNvSpPr txBox="1"/>
+          <p:nvPr/>
+        </p:nvSpPr>
+        <p:spPr>
+          <a:xfrm>
+            <a:off x="973129" y="2027409"/>
+            <a:ext cx="2826716" cy="523220"/>
+          </a:xfrm>
+          <a:prstGeom prst="rect">
+            <a:avLst/>
+          </a:prstGeom>
+          <a:noFill/>
+        </p:spPr>
+        <p:txBody>
+          <a:bodyPr wrap="square" rtlCol="0">
+            <a:spAutoFit/>
+          </a:bodyPr>
+          <a:lstStyle/>
+          <a:p>
+            <a:pPr rtl="0"/>
+            <a:r>
+              <a:rPr lang="sk-SK" sz="2800" b="1" dirty="0">
+                <a:solidFill>
+                  <a:srgbClr val="FF0000"/>
+                </a:solidFill>
+                <a:effectLst/>
+                <a:latin typeface="Franklin Gothic Book" panose="020B0503020102020204" pitchFamily="34" charset="0"/>
+                <a:ea typeface="Calibri" panose="020F0502020204030204" pitchFamily="34" charset="0"/>
+                <a:cs typeface="Segoe UI" panose="020B0502040204020203" pitchFamily="34" charset="0"/>
+              </a:rPr>
+              <a:t>ZADANIE</a:t>
+            </a:r>
+            <a:r>
+              <a:rPr lang="sk-SK" sz="2000" dirty="0">
+                <a:solidFill>
+                  <a:schemeClr val="accent1"/>
+                </a:solidFill>
+                <a:effectLst/>
+                <a:latin typeface="Franklin Gothic Book" panose="020B0503020102020204" pitchFamily="34" charset="0"/>
+                <a:ea typeface="Calibri" panose="020F0502020204030204" pitchFamily="34" charset="0"/>
+              </a:rPr>
+              <a:t> </a:t>
+            </a:r>
+            <a:endParaRPr lang="sk-SK" sz="2000" dirty="0">
+              <a:solidFill>
+                <a:schemeClr val="accent1"/>
+              </a:solidFill>
+              <a:latin typeface="Franklin Gothic Book" panose="020B0503020102020204" pitchFamily="34" charset="0"/>
+              <a:cs typeface="Segoe UI" panose="020B0502040204020203" pitchFamily="34" charset="0"/>
+            </a:endParaRPr>
           </a:p>
         </p:txBody>
       </p:sp>
@@ -9219,6 +9484,708 @@
           </a:p>
         </p:txBody>
       </p:sp>
+      <p:pic>
+        <p:nvPicPr>
+          <p:cNvPr id="6" name="Grafický objekt 5" descr="Lupa">
+            <a:extLst>
+              <a:ext uri="{FF2B5EF4-FFF2-40B4-BE49-F238E27FC236}">
+                <a16:creationId xmlns:a16="http://schemas.microsoft.com/office/drawing/2014/main" id="{E4E96FFF-5E2C-8299-F4D7-71CA86929273}"/>
+              </a:ext>
+            </a:extLst>
+          </p:cNvPr>
+          <p:cNvPicPr>
+            <a:picLocks noChangeAspect="1"/>
+          </p:cNvPicPr>
+          <p:nvPr/>
+        </p:nvPicPr>
+        <p:blipFill>
+          <a:blip r:embed="rId3">
+            <a:extLst>
+              <a:ext uri="{28A0092B-C50C-407E-A947-70E740481C1C}">
+                <a14:useLocalDpi xmlns:a14="http://schemas.microsoft.com/office/drawing/2010/main" val="0"/>
+              </a:ext>
+              <a:ext uri="{96DAC541-7B7A-43D3-8B79-37D633B846F1}">
+                <asvg:svgBlip xmlns:asvg="http://schemas.microsoft.com/office/drawing/2016/SVG/main" r:embed="rId4"/>
+              </a:ext>
+            </a:extLst>
+          </a:blip>
+          <a:stretch>
+            <a:fillRect/>
+          </a:stretch>
+        </p:blipFill>
+        <p:spPr>
+          <a:xfrm>
+            <a:off x="447589" y="353402"/>
+            <a:ext cx="914400" cy="914400"/>
+          </a:xfrm>
+          <a:prstGeom prst="rect">
+            <a:avLst/>
+          </a:prstGeom>
+        </p:spPr>
+      </p:pic>
+      <p:pic>
+        <p:nvPicPr>
+          <p:cNvPr id="10" name="Grafický objekt 9" descr="Lupa">
+            <a:extLst>
+              <a:ext uri="{FF2B5EF4-FFF2-40B4-BE49-F238E27FC236}">
+                <a16:creationId xmlns:a16="http://schemas.microsoft.com/office/drawing/2014/main" id="{8AA539E7-C5E9-9DCE-4E92-343FAC0FB5ED}"/>
+              </a:ext>
+            </a:extLst>
+          </p:cNvPr>
+          <p:cNvPicPr>
+            <a:picLocks noChangeAspect="1"/>
+          </p:cNvPicPr>
+          <p:nvPr/>
+        </p:nvPicPr>
+        <p:blipFill>
+          <a:blip r:embed="rId5">
+            <a:extLst>
+              <a:ext uri="{28A0092B-C50C-407E-A947-70E740481C1C}">
+                <a14:useLocalDpi xmlns:a14="http://schemas.microsoft.com/office/drawing/2010/main" val="0"/>
+              </a:ext>
+              <a:ext uri="{96DAC541-7B7A-43D3-8B79-37D633B846F1}">
+                <asvg:svgBlip xmlns:asvg="http://schemas.microsoft.com/office/drawing/2016/SVG/main" r:embed="rId6"/>
+              </a:ext>
+            </a:extLst>
+          </a:blip>
+          <a:stretch>
+            <a:fillRect/>
+          </a:stretch>
+        </p:blipFill>
+        <p:spPr>
+          <a:xfrm>
+            <a:off x="8604920" y="-129771"/>
+            <a:ext cx="3458287" cy="3458287"/>
+          </a:xfrm>
+          <a:prstGeom prst="rect">
+            <a:avLst/>
+          </a:prstGeom>
+        </p:spPr>
+      </p:pic>
+      <p:sp>
+        <p:nvSpPr>
+          <p:cNvPr id="9" name="Ovál 8">
+            <a:extLst>
+              <a:ext uri="{FF2B5EF4-FFF2-40B4-BE49-F238E27FC236}">
+                <a16:creationId xmlns:a16="http://schemas.microsoft.com/office/drawing/2014/main" id="{6D1E12A6-FA7A-477F-8C87-308C5B84B139}"/>
+              </a:ext>
+            </a:extLst>
+          </p:cNvPr>
+          <p:cNvSpPr/>
+          <p:nvPr/>
+        </p:nvSpPr>
+        <p:spPr>
+          <a:xfrm>
+            <a:off x="5855918" y="2674486"/>
+            <a:ext cx="586154" cy="575941"/>
+          </a:xfrm>
+          <a:prstGeom prst="ellipse">
+            <a:avLst/>
+          </a:prstGeom>
+          <a:solidFill>
+            <a:srgbClr val="FF0000"/>
+          </a:solidFill>
+        </p:spPr>
+        <p:style>
+          <a:lnRef idx="2">
+            <a:schemeClr val="accent1">
+              <a:shade val="50000"/>
+            </a:schemeClr>
+          </a:lnRef>
+          <a:fillRef idx="1">
+            <a:schemeClr val="accent1"/>
+          </a:fillRef>
+          <a:effectRef idx="0">
+            <a:schemeClr val="accent1"/>
+          </a:effectRef>
+          <a:fontRef idx="minor">
+            <a:schemeClr val="lt1"/>
+          </a:fontRef>
+        </p:style>
+        <p:txBody>
+          <a:bodyPr rtlCol="0" anchor="ctr"/>
+          <a:lstStyle/>
+          <a:p>
+            <a:pPr algn="ctr" rtl="0"/>
+            <a:r>
+              <a:rPr lang="sk-SK" sz="3600" b="1" dirty="0">
+                <a:latin typeface="Segoe UI" panose="020B0502040204020203" pitchFamily="34" charset="0"/>
+                <a:cs typeface="Segoe UI" panose="020B0502040204020203" pitchFamily="34" charset="0"/>
+              </a:rPr>
+              <a:t>2</a:t>
+            </a:r>
+          </a:p>
+        </p:txBody>
+      </p:sp>
+      <p:sp>
+        <p:nvSpPr>
+          <p:cNvPr id="7" name="Textové pole 6">
+            <a:extLst>
+              <a:ext uri="{FF2B5EF4-FFF2-40B4-BE49-F238E27FC236}">
+                <a16:creationId xmlns:a16="http://schemas.microsoft.com/office/drawing/2014/main" id="{E5564556-59F0-4D0A-A6CD-ADF8F4D7428B}"/>
+              </a:ext>
+            </a:extLst>
+          </p:cNvPr>
+          <p:cNvSpPr txBox="1"/>
+          <p:nvPr/>
+        </p:nvSpPr>
+        <p:spPr>
+          <a:xfrm>
+            <a:off x="6442072" y="2697132"/>
+            <a:ext cx="3182504" cy="523220"/>
+          </a:xfrm>
+          <a:prstGeom prst="rect">
+            <a:avLst/>
+          </a:prstGeom>
+          <a:noFill/>
+        </p:spPr>
+        <p:txBody>
+          <a:bodyPr wrap="square" rtlCol="0">
+            <a:spAutoFit/>
+          </a:bodyPr>
+          <a:lstStyle/>
+          <a:p>
+            <a:pPr rtl="0"/>
+            <a:r>
+              <a:rPr lang="sk-SK" sz="2800" b="1" dirty="0">
+                <a:solidFill>
+                  <a:srgbClr val="FF0000"/>
+                </a:solidFill>
+                <a:latin typeface="Franklin Gothic Book" panose="020B0503020102020204" pitchFamily="34" charset="0"/>
+                <a:cs typeface="Segoe UI" panose="020B0502040204020203" pitchFamily="34" charset="0"/>
+              </a:rPr>
+              <a:t>VYPRACOVANIE</a:t>
+            </a:r>
+          </a:p>
+        </p:txBody>
+      </p:sp>
+      <p:pic>
+        <p:nvPicPr>
+          <p:cNvPr id="11" name="Obrázok 10">
+            <a:extLst>
+              <a:ext uri="{FF2B5EF4-FFF2-40B4-BE49-F238E27FC236}">
+                <a16:creationId xmlns:a16="http://schemas.microsoft.com/office/drawing/2014/main" id="{1F44DD90-A32E-4989-8937-7130DB4B66C6}"/>
+              </a:ext>
+            </a:extLst>
+          </p:cNvPr>
+          <p:cNvPicPr>
+            <a:picLocks noChangeAspect="1"/>
+          </p:cNvPicPr>
+          <p:nvPr/>
+        </p:nvPicPr>
+        <p:blipFill>
+          <a:blip r:embed="rId7"/>
+          <a:stretch>
+            <a:fillRect/>
+          </a:stretch>
+        </p:blipFill>
+        <p:spPr>
+          <a:xfrm>
+            <a:off x="708001" y="2796490"/>
+            <a:ext cx="4789821" cy="3068601"/>
+          </a:xfrm>
+          <a:prstGeom prst="rect">
+            <a:avLst/>
+          </a:prstGeom>
+          <a:ln w="38100">
+            <a:solidFill>
+              <a:schemeClr val="tx1"/>
+            </a:solidFill>
+          </a:ln>
+        </p:spPr>
+      </p:pic>
+      <p:pic>
+        <p:nvPicPr>
+          <p:cNvPr id="13" name="Obrázok 12">
+            <a:extLst>
+              <a:ext uri="{FF2B5EF4-FFF2-40B4-BE49-F238E27FC236}">
+                <a16:creationId xmlns:a16="http://schemas.microsoft.com/office/drawing/2014/main" id="{87206663-765E-415C-A841-901D444E7517}"/>
+              </a:ext>
+            </a:extLst>
+          </p:cNvPr>
+          <p:cNvPicPr>
+            <a:picLocks noChangeAspect="1"/>
+          </p:cNvPicPr>
+          <p:nvPr/>
+        </p:nvPicPr>
+        <p:blipFill>
+          <a:blip r:embed="rId8"/>
+          <a:stretch>
+            <a:fillRect/>
+          </a:stretch>
+        </p:blipFill>
+        <p:spPr>
+          <a:xfrm>
+            <a:off x="6263673" y="3429000"/>
+            <a:ext cx="3539302" cy="2305462"/>
+          </a:xfrm>
+          <a:prstGeom prst="rect">
+            <a:avLst/>
+          </a:prstGeom>
+          <a:ln w="38100">
+            <a:solidFill>
+              <a:schemeClr val="tx1"/>
+            </a:solidFill>
+          </a:ln>
+        </p:spPr>
+      </p:pic>
+      <p:pic>
+        <p:nvPicPr>
+          <p:cNvPr id="15" name="Obrázok 14">
+            <a:extLst>
+              <a:ext uri="{FF2B5EF4-FFF2-40B4-BE49-F238E27FC236}">
+                <a16:creationId xmlns:a16="http://schemas.microsoft.com/office/drawing/2014/main" id="{4EB8EB26-1D57-40E7-9ECA-BF07803D1827}"/>
+              </a:ext>
+            </a:extLst>
+          </p:cNvPr>
+          <p:cNvPicPr>
+            <a:picLocks noChangeAspect="1"/>
+          </p:cNvPicPr>
+          <p:nvPr/>
+        </p:nvPicPr>
+        <p:blipFill>
+          <a:blip r:embed="rId9"/>
+          <a:stretch>
+            <a:fillRect/>
+          </a:stretch>
+        </p:blipFill>
+        <p:spPr>
+          <a:xfrm>
+            <a:off x="7802731" y="4261171"/>
+            <a:ext cx="3485721" cy="2074974"/>
+          </a:xfrm>
+          <a:prstGeom prst="rect">
+            <a:avLst/>
+          </a:prstGeom>
+          <a:ln w="38100">
+            <a:solidFill>
+              <a:schemeClr val="tx1"/>
+            </a:solidFill>
+          </a:ln>
+        </p:spPr>
+      </p:pic>
+      <p:sp>
+        <p:nvSpPr>
+          <p:cNvPr id="19" name="Textové pole 4">
+            <a:extLst>
+              <a:ext uri="{FF2B5EF4-FFF2-40B4-BE49-F238E27FC236}">
+                <a16:creationId xmlns:a16="http://schemas.microsoft.com/office/drawing/2014/main" id="{D410C152-8F09-4B9C-8D7B-AFF0C1BDA3B4}"/>
+              </a:ext>
+            </a:extLst>
+          </p:cNvPr>
+          <p:cNvSpPr txBox="1"/>
+          <p:nvPr/>
+        </p:nvSpPr>
+        <p:spPr>
+          <a:xfrm>
+            <a:off x="4411017" y="1006192"/>
+            <a:ext cx="2826716" cy="523220"/>
+          </a:xfrm>
+          <a:prstGeom prst="rect">
+            <a:avLst/>
+          </a:prstGeom>
+          <a:noFill/>
+        </p:spPr>
+        <p:txBody>
+          <a:bodyPr wrap="square" rtlCol="0">
+            <a:spAutoFit/>
+          </a:bodyPr>
+          <a:lstStyle/>
+          <a:p>
+            <a:pPr rtl="0"/>
+            <a:r>
+              <a:rPr lang="sk-SK" sz="2800" b="1" dirty="0">
+                <a:solidFill>
+                  <a:srgbClr val="FF0000"/>
+                </a:solidFill>
+                <a:latin typeface="Franklin Gothic Book" panose="020B0503020102020204" pitchFamily="34" charset="0"/>
+                <a:ea typeface="Calibri" panose="020F0502020204030204" pitchFamily="34" charset="0"/>
+                <a:cs typeface="Segoe UI" panose="020B0502040204020203" pitchFamily="34" charset="0"/>
+              </a:rPr>
+              <a:t>Praktická časť</a:t>
+            </a:r>
+            <a:r>
+              <a:rPr lang="sk-SK" sz="2000" b="1" dirty="0">
+                <a:solidFill>
+                  <a:srgbClr val="FF0000"/>
+                </a:solidFill>
+                <a:effectLst/>
+                <a:latin typeface="Franklin Gothic Book" panose="020B0503020102020204" pitchFamily="34" charset="0"/>
+                <a:ea typeface="Calibri" panose="020F0502020204030204" pitchFamily="34" charset="0"/>
+              </a:rPr>
+              <a:t> </a:t>
+            </a:r>
+            <a:endParaRPr lang="sk-SK" sz="2000" b="1" dirty="0">
+              <a:solidFill>
+                <a:srgbClr val="FF0000"/>
+              </a:solidFill>
+              <a:latin typeface="Franklin Gothic Book" panose="020B0503020102020204" pitchFamily="34" charset="0"/>
+              <a:cs typeface="Segoe UI" panose="020B0502040204020203" pitchFamily="34" charset="0"/>
+            </a:endParaRPr>
+          </a:p>
+        </p:txBody>
+      </p:sp>
+    </p:spTree>
+    <p:extLst>
+      <p:ext uri="{BB962C8B-B14F-4D97-AF65-F5344CB8AC3E}">
+        <p14:creationId xmlns:p14="http://schemas.microsoft.com/office/powerpoint/2010/main" val="2852943322"/>
+      </p:ext>
+    </p:extLst>
+  </p:cSld>
+  <p:clrMapOvr>
+    <a:masterClrMapping/>
+  </p:clrMapOvr>
+  <mc:AlternateContent xmlns:mc="http://schemas.openxmlformats.org/markup-compatibility/2006">
+    <mc:Choice xmlns:p14="http://schemas.microsoft.com/office/powerpoint/2010/main" Requires="p14">
+      <p:transition p14:dur="0"/>
+    </mc:Choice>
+    <mc:Fallback>
+      <p:transition/>
+    </mc:Fallback>
+  </mc:AlternateContent>
+  <p:timing>
+    <p:tnLst>
+      <p:par>
+        <p:cTn id="1" dur="indefinite" restart="never" nodeType="tmRoot">
+          <p:childTnLst>
+            <p:seq concurrent="1" nextAc="seek">
+              <p:cTn id="2" dur="indefinite" nodeType="mainSeq">
+                <p:childTnLst>
+                  <p:par>
+                    <p:cTn id="3" fill="hold">
+                      <p:stCondLst>
+                        <p:cond delay="indefinite"/>
+                      </p:stCondLst>
+                      <p:childTnLst>
+                        <p:par>
+                          <p:cTn id="4" fill="hold">
+                            <p:stCondLst>
+                              <p:cond delay="0"/>
+                            </p:stCondLst>
+                            <p:childTnLst>
+                              <p:par>
+                                <p:cTn id="5" presetID="10" presetClass="entr" presetSubtype="0" fill="hold" nodeType="clickEffect">
+                                  <p:stCondLst>
+                                    <p:cond delay="0"/>
+                                  </p:stCondLst>
+                                  <p:childTnLst>
+                                    <p:set>
+                                      <p:cBhvr>
+                                        <p:cTn id="6" dur="1" fill="hold">
+                                          <p:stCondLst>
+                                            <p:cond delay="0"/>
+                                          </p:stCondLst>
+                                        </p:cTn>
+                                        <p:tgtEl>
+                                          <p:spTgt spid="11"/>
+                                        </p:tgtEl>
+                                        <p:attrNameLst>
+                                          <p:attrName>style.visibility</p:attrName>
+                                        </p:attrNameLst>
+                                      </p:cBhvr>
+                                      <p:to>
+                                        <p:strVal val="visible"/>
+                                      </p:to>
+                                    </p:set>
+                                    <p:animEffect transition="in" filter="fade">
+                                      <p:cBhvr>
+                                        <p:cTn id="7" dur="500"/>
+                                        <p:tgtEl>
+                                          <p:spTgt spid="11"/>
+                                        </p:tgtEl>
+                                      </p:cBhvr>
+                                    </p:animEffect>
+                                  </p:childTnLst>
+                                </p:cTn>
+                              </p:par>
+                            </p:childTnLst>
+                          </p:cTn>
+                        </p:par>
+                      </p:childTnLst>
+                    </p:cTn>
+                  </p:par>
+                  <p:par>
+                    <p:cTn id="8" fill="hold">
+                      <p:stCondLst>
+                        <p:cond delay="indefinite"/>
+                      </p:stCondLst>
+                      <p:childTnLst>
+                        <p:par>
+                          <p:cTn id="9" fill="hold">
+                            <p:stCondLst>
+                              <p:cond delay="0"/>
+                            </p:stCondLst>
+                            <p:childTnLst>
+                              <p:par>
+                                <p:cTn id="10" presetID="10" presetClass="entr" presetSubtype="0" fill="hold" nodeType="clickEffect">
+                                  <p:stCondLst>
+                                    <p:cond delay="0"/>
+                                  </p:stCondLst>
+                                  <p:childTnLst>
+                                    <p:set>
+                                      <p:cBhvr>
+                                        <p:cTn id="11" dur="1" fill="hold">
+                                          <p:stCondLst>
+                                            <p:cond delay="0"/>
+                                          </p:stCondLst>
+                                        </p:cTn>
+                                        <p:tgtEl>
+                                          <p:spTgt spid="13"/>
+                                        </p:tgtEl>
+                                        <p:attrNameLst>
+                                          <p:attrName>style.visibility</p:attrName>
+                                        </p:attrNameLst>
+                                      </p:cBhvr>
+                                      <p:to>
+                                        <p:strVal val="visible"/>
+                                      </p:to>
+                                    </p:set>
+                                    <p:animEffect transition="in" filter="fade">
+                                      <p:cBhvr>
+                                        <p:cTn id="12" dur="500"/>
+                                        <p:tgtEl>
+                                          <p:spTgt spid="13"/>
+                                        </p:tgtEl>
+                                      </p:cBhvr>
+                                    </p:animEffect>
+                                  </p:childTnLst>
+                                </p:cTn>
+                              </p:par>
+                            </p:childTnLst>
+                          </p:cTn>
+                        </p:par>
+                        <p:par>
+                          <p:cTn id="13" fill="hold">
+                            <p:stCondLst>
+                              <p:cond delay="500"/>
+                            </p:stCondLst>
+                            <p:childTnLst>
+                              <p:par>
+                                <p:cTn id="14" presetID="10" presetClass="entr" presetSubtype="0" fill="hold" nodeType="afterEffect">
+                                  <p:stCondLst>
+                                    <p:cond delay="0"/>
+                                  </p:stCondLst>
+                                  <p:childTnLst>
+                                    <p:set>
+                                      <p:cBhvr>
+                                        <p:cTn id="15" dur="1" fill="hold">
+                                          <p:stCondLst>
+                                            <p:cond delay="0"/>
+                                          </p:stCondLst>
+                                        </p:cTn>
+                                        <p:tgtEl>
+                                          <p:spTgt spid="15"/>
+                                        </p:tgtEl>
+                                        <p:attrNameLst>
+                                          <p:attrName>style.visibility</p:attrName>
+                                        </p:attrNameLst>
+                                      </p:cBhvr>
+                                      <p:to>
+                                        <p:strVal val="visible"/>
+                                      </p:to>
+                                    </p:set>
+                                    <p:animEffect transition="in" filter="fade">
+                                      <p:cBhvr>
+                                        <p:cTn id="16" dur="500"/>
+                                        <p:tgtEl>
+                                          <p:spTgt spid="15"/>
+                                        </p:tgtEl>
+                                      </p:cBhvr>
+                                    </p:animEffect>
+                                  </p:childTnLst>
+                                </p:cTn>
+                              </p:par>
+                            </p:childTnLst>
+                          </p:cTn>
+                        </p:par>
+                      </p:childTnLst>
+                    </p:cTn>
+                  </p:par>
+                </p:childTnLst>
+              </p:cTn>
+              <p:prevCondLst>
+                <p:cond evt="onPrev" delay="0">
+                  <p:tgtEl>
+                    <p:sldTgt/>
+                  </p:tgtEl>
+                </p:cond>
+              </p:prevCondLst>
+              <p:nextCondLst>
+                <p:cond evt="onNext" delay="0">
+                  <p:tgtEl>
+                    <p:sldTgt/>
+                  </p:tgtEl>
+                </p:cond>
+              </p:nextCondLst>
+            </p:seq>
+          </p:childTnLst>
+        </p:cTn>
+      </p:par>
+    </p:tnLst>
+  </p:timing>
+</p:sld>
+</file>
+
+<file path=ppt/slides/slide6.xml><?xml version="1.0" encoding="utf-8"?>
+<p:sld xmlns:a="http://schemas.openxmlformats.org/drawingml/2006/main" xmlns:r="http://schemas.openxmlformats.org/officeDocument/2006/relationships" xmlns:p="http://schemas.openxmlformats.org/presentationml/2006/main">
+  <p:cSld>
+    <p:spTree>
+      <p:nvGrpSpPr>
+        <p:cNvPr id="1" name=""/>
+        <p:cNvGrpSpPr/>
+        <p:nvPr/>
+      </p:nvGrpSpPr>
+      <p:grpSpPr>
+        <a:xfrm>
+          <a:off x="0" y="0"/>
+          <a:ext cx="0" cy="0"/>
+          <a:chOff x="0" y="0"/>
+          <a:chExt cx="0" cy="0"/>
+        </a:xfrm>
+      </p:grpSpPr>
+      <p:sp>
+        <p:nvSpPr>
+          <p:cNvPr id="3" name="Obdĺžnik 2">
+            <a:extLst>
+              <a:ext uri="{FF2B5EF4-FFF2-40B4-BE49-F238E27FC236}">
+                <a16:creationId xmlns:a16="http://schemas.microsoft.com/office/drawing/2014/main" id="{A4F1570E-3B60-07A1-124D-B485AA4FEF7D}"/>
+              </a:ext>
+            </a:extLst>
+          </p:cNvPr>
+          <p:cNvSpPr/>
+          <p:nvPr/>
+        </p:nvSpPr>
+        <p:spPr>
+          <a:xfrm>
+            <a:off x="0" y="0"/>
+            <a:ext cx="12191999" cy="6858000"/>
+          </a:xfrm>
+          <a:prstGeom prst="rect">
+            <a:avLst/>
+          </a:prstGeom>
+          <a:solidFill>
+            <a:srgbClr val="3F3F3F"/>
+          </a:solidFill>
+        </p:spPr>
+        <p:style>
+          <a:lnRef idx="2">
+            <a:schemeClr val="accent1">
+              <a:shade val="50000"/>
+            </a:schemeClr>
+          </a:lnRef>
+          <a:fillRef idx="1">
+            <a:schemeClr val="accent1"/>
+          </a:fillRef>
+          <a:effectRef idx="0">
+            <a:schemeClr val="accent1"/>
+          </a:effectRef>
+          <a:fontRef idx="minor">
+            <a:schemeClr val="lt1"/>
+          </a:fontRef>
+        </p:style>
+        <p:txBody>
+          <a:bodyPr rtlCol="0" anchor="ctr"/>
+          <a:lstStyle/>
+          <a:p>
+            <a:pPr algn="ctr"/>
+            <a:endParaRPr lang="sk-SK" dirty="0"/>
+          </a:p>
+        </p:txBody>
+      </p:sp>
+      <p:sp>
+        <p:nvSpPr>
+          <p:cNvPr id="2" name="Nadpis 1">
+            <a:extLst>
+              <a:ext uri="{FF2B5EF4-FFF2-40B4-BE49-F238E27FC236}">
+                <a16:creationId xmlns:a16="http://schemas.microsoft.com/office/drawing/2014/main" id="{042C824B-4279-4D47-92DD-71F5353FAA23}"/>
+              </a:ext>
+            </a:extLst>
+          </p:cNvPr>
+          <p:cNvSpPr>
+            <a:spLocks noGrp="1"/>
+          </p:cNvSpPr>
+          <p:nvPr>
+            <p:ph type="title"/>
+          </p:nvPr>
+        </p:nvSpPr>
+        <p:spPr>
+          <a:xfrm>
+            <a:off x="1166046" y="3429000"/>
+            <a:ext cx="8814833" cy="1325563"/>
+          </a:xfrm>
+        </p:spPr>
+        <p:txBody>
+          <a:bodyPr rtlCol="0"/>
+          <a:lstStyle/>
+          <a:p>
+            <a:pPr rtl="0"/>
+            <a:r>
+              <a:rPr lang="sk-SK" dirty="0">
+                <a:solidFill>
+                  <a:schemeClr val="bg1"/>
+                </a:solidFill>
+                <a:latin typeface="Franklin Gothic Book" panose="020B0503020102020204" pitchFamily="34" charset="0"/>
+                <a:cs typeface="Segoe UI" panose="020B0502040204020203" pitchFamily="34" charset="0"/>
+              </a:rPr>
+              <a:t>ĎAKUJEM ZA POZORNOSŤ</a:t>
+            </a:r>
+          </a:p>
+        </p:txBody>
+      </p:sp>
+      <p:sp>
+        <p:nvSpPr>
+          <p:cNvPr id="22" name="Ovál 21">
+            <a:extLst>
+              <a:ext uri="{FF2B5EF4-FFF2-40B4-BE49-F238E27FC236}">
+                <a16:creationId xmlns:a16="http://schemas.microsoft.com/office/drawing/2014/main" id="{8177DB87-41AD-9A42-096F-FFA3D3B36B41}"/>
+              </a:ext>
+            </a:extLst>
+          </p:cNvPr>
+          <p:cNvSpPr/>
+          <p:nvPr/>
+        </p:nvSpPr>
+        <p:spPr>
+          <a:xfrm>
+            <a:off x="6745233" y="-3658048"/>
+            <a:ext cx="7346177" cy="7346177"/>
+          </a:xfrm>
+          <a:prstGeom prst="ellipse">
+            <a:avLst/>
+          </a:prstGeom>
+          <a:solidFill>
+            <a:schemeClr val="bg1"/>
+          </a:solidFill>
+          <a:ln w="177800">
+            <a:solidFill>
+              <a:srgbClr val="D9D9D9"/>
+            </a:solidFill>
+          </a:ln>
+        </p:spPr>
+        <p:style>
+          <a:lnRef idx="2">
+            <a:schemeClr val="accent1">
+              <a:shade val="50000"/>
+            </a:schemeClr>
+          </a:lnRef>
+          <a:fillRef idx="1">
+            <a:schemeClr val="accent1"/>
+          </a:fillRef>
+          <a:effectRef idx="0">
+            <a:schemeClr val="accent1"/>
+          </a:effectRef>
+          <a:fontRef idx="minor">
+            <a:schemeClr val="lt1"/>
+          </a:fontRef>
+        </p:style>
+        <p:txBody>
+          <a:bodyPr rtlCol="0" anchor="ctr"/>
+          <a:lstStyle/>
+          <a:p>
+            <a:pPr algn="ctr"/>
+            <a:endParaRPr lang="sk-SK"/>
+          </a:p>
+        </p:txBody>
+      </p:sp>
     </p:spTree>
     <p:extLst>
       <p:ext uri="{BB962C8B-B14F-4D97-AF65-F5344CB8AC3E}">
@@ -9229,13 +10196,13 @@
   <p:clrMapOvr>
     <a:masterClrMapping/>
   </p:clrMapOvr>
-  <mc:AlternateContent xmlns:mc="http://schemas.openxmlformats.org/markup-compatibility/2006" xmlns:p14="http://schemas.microsoft.com/office/powerpoint/2010/main">
-    <mc:Choice Requires="p14">
-      <p:transition spd="slow" p14:dur="2000">
+  <mc:AlternateContent xmlns:mc="http://schemas.openxmlformats.org/markup-compatibility/2006">
+    <mc:Choice xmlns:p14="http://schemas.microsoft.com/office/powerpoint/2010/main" Requires="p14">
+      <p:transition spd="slow">
         <p14:reveal/>
       </p:transition>
     </mc:Choice>
-    <mc:Fallback xmlns="">
+    <mc:Fallback>
       <p:transition spd="slow">
         <p:fade/>
       </p:transition>
